--- a/Img/ADS.pptx
+++ b/Img/ADS.pptx
@@ -6,6 +6,7 @@
   </p:sldMasterIdLst>
   <p:sldIdLst>
     <p:sldId id="256" r:id="rId2"/>
+    <p:sldId id="257" r:id="rId3"/>
   </p:sldIdLst>
   <p:sldSz cx="18000663" cy="6858000"/>
   <p:notesSz cx="6858000" cy="9144000"/>
@@ -104,11 +105,12 @@
       </a:defRPr>
     </a:lvl9pPr>
   </p:defaultTextStyle>
+  <p:extLst>
+    <p:ext uri="{EFAFB233-063F-42B5-8137-9DF3F51BA10A}">
+      <p15:sldGuideLst xmlns:p15="http://schemas.microsoft.com/office/powerpoint/2012/main"/>
+    </p:ext>
+  </p:extLst>
 </p:presentation>
-</file>
-
-<file path=ppt/revisionInfo.xml><?xml version="1.0" encoding="utf-8"?>
-<p1510:revInfo xmlns:a="http://schemas.openxmlformats.org/drawingml/2006/main" xmlns:r="http://schemas.openxmlformats.org/officeDocument/2006/relationships" xmlns:p1510="http://schemas.microsoft.com/office/powerpoint/2015/10/main"/>
 </file>
 
 <file path=ppt/slideLayouts/slideLayout1.xml><?xml version="1.0" encoding="utf-8"?>
@@ -242,7 +244,7 @@
           <a:p>
             <a:fld id="{04B50ADF-FBB9-44C3-987E-82AD21C1EB88}" type="datetimeFigureOut">
               <a:rPr lang="en-US" smtClean="0"/>
-              <a:t>17/10/10</a:t>
+              <a:t>18/04/01</a:t>
             </a:fld>
             <a:endParaRPr lang="en-US"/>
           </a:p>
@@ -412,7 +414,7 @@
           <a:p>
             <a:fld id="{04B50ADF-FBB9-44C3-987E-82AD21C1EB88}" type="datetimeFigureOut">
               <a:rPr lang="en-US" smtClean="0"/>
-              <a:t>17/10/10</a:t>
+              <a:t>18/04/01</a:t>
             </a:fld>
             <a:endParaRPr lang="en-US"/>
           </a:p>
@@ -592,7 +594,7 @@
           <a:p>
             <a:fld id="{04B50ADF-FBB9-44C3-987E-82AD21C1EB88}" type="datetimeFigureOut">
               <a:rPr lang="en-US" smtClean="0"/>
-              <a:t>17/10/10</a:t>
+              <a:t>18/04/01</a:t>
             </a:fld>
             <a:endParaRPr lang="en-US"/>
           </a:p>
@@ -762,7 +764,7 @@
           <a:p>
             <a:fld id="{04B50ADF-FBB9-44C3-987E-82AD21C1EB88}" type="datetimeFigureOut">
               <a:rPr lang="en-US" smtClean="0"/>
-              <a:t>17/10/10</a:t>
+              <a:t>18/04/01</a:t>
             </a:fld>
             <a:endParaRPr lang="en-US"/>
           </a:p>
@@ -1008,7 +1010,7 @@
           <a:p>
             <a:fld id="{04B50ADF-FBB9-44C3-987E-82AD21C1EB88}" type="datetimeFigureOut">
               <a:rPr lang="en-US" smtClean="0"/>
-              <a:t>17/10/10</a:t>
+              <a:t>18/04/01</a:t>
             </a:fld>
             <a:endParaRPr lang="en-US"/>
           </a:p>
@@ -1240,7 +1242,7 @@
           <a:p>
             <a:fld id="{04B50ADF-FBB9-44C3-987E-82AD21C1EB88}" type="datetimeFigureOut">
               <a:rPr lang="en-US" smtClean="0"/>
-              <a:t>17/10/10</a:t>
+              <a:t>18/04/01</a:t>
             </a:fld>
             <a:endParaRPr lang="en-US"/>
           </a:p>
@@ -1607,7 +1609,7 @@
           <a:p>
             <a:fld id="{04B50ADF-FBB9-44C3-987E-82AD21C1EB88}" type="datetimeFigureOut">
               <a:rPr lang="en-US" smtClean="0"/>
-              <a:t>17/10/10</a:t>
+              <a:t>18/04/01</a:t>
             </a:fld>
             <a:endParaRPr lang="en-US"/>
           </a:p>
@@ -1725,7 +1727,7 @@
           <a:p>
             <a:fld id="{04B50ADF-FBB9-44C3-987E-82AD21C1EB88}" type="datetimeFigureOut">
               <a:rPr lang="en-US" smtClean="0"/>
-              <a:t>17/10/10</a:t>
+              <a:t>18/04/01</a:t>
             </a:fld>
             <a:endParaRPr lang="en-US"/>
           </a:p>
@@ -1820,7 +1822,7 @@
           <a:p>
             <a:fld id="{04B50ADF-FBB9-44C3-987E-82AD21C1EB88}" type="datetimeFigureOut">
               <a:rPr lang="en-US" smtClean="0"/>
-              <a:t>17/10/10</a:t>
+              <a:t>18/04/01</a:t>
             </a:fld>
             <a:endParaRPr lang="en-US"/>
           </a:p>
@@ -2097,7 +2099,7 @@
           <a:p>
             <a:fld id="{04B50ADF-FBB9-44C3-987E-82AD21C1EB88}" type="datetimeFigureOut">
               <a:rPr lang="en-US" smtClean="0"/>
-              <a:t>17/10/10</a:t>
+              <a:t>18/04/01</a:t>
             </a:fld>
             <a:endParaRPr lang="en-US"/>
           </a:p>
@@ -2354,7 +2356,7 @@
           <a:p>
             <a:fld id="{04B50ADF-FBB9-44C3-987E-82AD21C1EB88}" type="datetimeFigureOut">
               <a:rPr lang="en-US" smtClean="0"/>
-              <a:t>17/10/10</a:t>
+              <a:t>18/04/01</a:t>
             </a:fld>
             <a:endParaRPr lang="en-US"/>
           </a:p>
@@ -2567,7 +2569,7 @@
           <a:p>
             <a:fld id="{04B50ADF-FBB9-44C3-987E-82AD21C1EB88}" type="datetimeFigureOut">
               <a:rPr lang="en-US" smtClean="0"/>
-              <a:t>17/10/10</a:t>
+              <a:t>18/04/01</a:t>
             </a:fld>
             <a:endParaRPr lang="en-US"/>
           </a:p>
@@ -4898,6 +4900,2003 @@
 </p:sld>
 </file>
 
+<file path=ppt/slides/slide2.xml><?xml version="1.0" encoding="utf-8"?>
+<p:sld xmlns:a="http://schemas.openxmlformats.org/drawingml/2006/main" xmlns:r="http://schemas.openxmlformats.org/officeDocument/2006/relationships" xmlns:p="http://schemas.openxmlformats.org/presentationml/2006/main">
+  <p:cSld>
+    <p:spTree>
+      <p:nvGrpSpPr>
+        <p:cNvPr id="1" name=""/>
+        <p:cNvGrpSpPr/>
+        <p:nvPr/>
+      </p:nvGrpSpPr>
+      <p:grpSpPr>
+        <a:xfrm>
+          <a:off x="0" y="0"/>
+          <a:ext cx="0" cy="0"/>
+          <a:chOff x="0" y="0"/>
+          <a:chExt cx="0" cy="0"/>
+        </a:xfrm>
+      </p:grpSpPr>
+      <p:sp>
+        <p:nvSpPr>
+          <p:cNvPr id="4" name="矩形 3">
+            <a:extLst>
+              <a:ext uri="{FF2B5EF4-FFF2-40B4-BE49-F238E27FC236}">
+                <a16:creationId xmlns:a16="http://schemas.microsoft.com/office/drawing/2014/main" id="{3C600510-2113-400E-B0F2-1EBA08B8BAD6}"/>
+              </a:ext>
+            </a:extLst>
+          </p:cNvPr>
+          <p:cNvSpPr/>
+          <p:nvPr/>
+        </p:nvSpPr>
+        <p:spPr>
+          <a:xfrm>
+            <a:off x="446486" y="4413381"/>
+            <a:ext cx="917577" cy="821094"/>
+          </a:xfrm>
+          <a:prstGeom prst="rect">
+            <a:avLst/>
+          </a:prstGeom>
+          <a:ln w="38100">
+            <a:solidFill>
+              <a:schemeClr val="tx1"/>
+            </a:solidFill>
+          </a:ln>
+        </p:spPr>
+        <p:style>
+          <a:lnRef idx="2">
+            <a:schemeClr val="dk1"/>
+          </a:lnRef>
+          <a:fillRef idx="1">
+            <a:schemeClr val="lt1"/>
+          </a:fillRef>
+          <a:effectRef idx="0">
+            <a:schemeClr val="dk1"/>
+          </a:effectRef>
+          <a:fontRef idx="minor">
+            <a:schemeClr val="dk1"/>
+          </a:fontRef>
+        </p:style>
+        <p:txBody>
+          <a:bodyPr rot="0" spcFirstLastPara="0" vertOverflow="overflow" horzOverflow="overflow" vert="horz" wrap="square" lIns="91440" tIns="45720" rIns="91440" bIns="45720" numCol="1" spcCol="0" rtlCol="0" fromWordArt="0" anchor="ctr" anchorCtr="0" forceAA="0" compatLnSpc="1">
+            <a:prstTxWarp prst="textNoShape">
+              <a:avLst/>
+            </a:prstTxWarp>
+            <a:noAutofit/>
+          </a:bodyPr>
+          <a:lstStyle/>
+          <a:p>
+            <a:pPr algn="ctr"/>
+            <a:r>
+              <a:rPr lang="zh-CN" altLang="en-US" b="1" dirty="0"/>
+              <a:t>离子源</a:t>
+            </a:r>
+            <a:endParaRPr lang="en-US" b="1" dirty="0"/>
+          </a:p>
+        </p:txBody>
+      </p:sp>
+      <p:sp>
+        <p:nvSpPr>
+          <p:cNvPr id="5" name="矩形 4">
+            <a:extLst>
+              <a:ext uri="{FF2B5EF4-FFF2-40B4-BE49-F238E27FC236}">
+                <a16:creationId xmlns:a16="http://schemas.microsoft.com/office/drawing/2014/main" id="{651E1180-772B-4753-831D-FE104179AC87}"/>
+              </a:ext>
+            </a:extLst>
+          </p:cNvPr>
+          <p:cNvSpPr/>
+          <p:nvPr/>
+        </p:nvSpPr>
+        <p:spPr>
+          <a:xfrm>
+            <a:off x="2003392" y="4348067"/>
+            <a:ext cx="1200538" cy="951722"/>
+          </a:xfrm>
+          <a:prstGeom prst="rect">
+            <a:avLst/>
+          </a:prstGeom>
+          <a:ln w="38100">
+            <a:solidFill>
+              <a:schemeClr val="tx1"/>
+            </a:solidFill>
+          </a:ln>
+        </p:spPr>
+        <p:style>
+          <a:lnRef idx="2">
+            <a:schemeClr val="dk1"/>
+          </a:lnRef>
+          <a:fillRef idx="1">
+            <a:schemeClr val="lt1"/>
+          </a:fillRef>
+          <a:effectRef idx="0">
+            <a:schemeClr val="dk1"/>
+          </a:effectRef>
+          <a:fontRef idx="minor">
+            <a:schemeClr val="dk1"/>
+          </a:fontRef>
+        </p:style>
+        <p:txBody>
+          <a:bodyPr rot="0" spcFirstLastPara="0" vertOverflow="overflow" horzOverflow="overflow" vert="horz" wrap="square" lIns="91440" tIns="45720" rIns="91440" bIns="45720" numCol="1" spcCol="0" rtlCol="0" fromWordArt="0" anchor="ctr" anchorCtr="0" forceAA="0" compatLnSpc="1">
+            <a:prstTxWarp prst="textNoShape">
+              <a:avLst/>
+            </a:prstTxWarp>
+            <a:noAutofit/>
+          </a:bodyPr>
+          <a:lstStyle/>
+          <a:p>
+            <a:pPr algn="ctr"/>
+            <a:r>
+              <a:rPr lang="en-US" altLang="zh-CN" b="1" dirty="0"/>
+              <a:t>RFQ</a:t>
+            </a:r>
+            <a:br>
+              <a:rPr lang="en-US" altLang="zh-CN" b="1" dirty="0"/>
+            </a:br>
+            <a:r>
+              <a:rPr lang="en-US" altLang="zh-CN" b="1" dirty="0"/>
+              <a:t>162.5MHZ</a:t>
+            </a:r>
+            <a:endParaRPr lang="en-US" b="1" dirty="0"/>
+          </a:p>
+        </p:txBody>
+      </p:sp>
+      <p:sp>
+        <p:nvSpPr>
+          <p:cNvPr id="6" name="矩形 5">
+            <a:extLst>
+              <a:ext uri="{FF2B5EF4-FFF2-40B4-BE49-F238E27FC236}">
+                <a16:creationId xmlns:a16="http://schemas.microsoft.com/office/drawing/2014/main" id="{FC540908-8D7A-4043-B933-E490220E2D5F}"/>
+              </a:ext>
+            </a:extLst>
+          </p:cNvPr>
+          <p:cNvSpPr/>
+          <p:nvPr/>
+        </p:nvSpPr>
+        <p:spPr>
+          <a:xfrm>
+            <a:off x="4019489" y="4348067"/>
+            <a:ext cx="1200538" cy="951722"/>
+          </a:xfrm>
+          <a:prstGeom prst="rect">
+            <a:avLst/>
+          </a:prstGeom>
+          <a:ln w="38100">
+            <a:solidFill>
+              <a:schemeClr val="tx1"/>
+            </a:solidFill>
+          </a:ln>
+        </p:spPr>
+        <p:style>
+          <a:lnRef idx="2">
+            <a:schemeClr val="dk1"/>
+          </a:lnRef>
+          <a:fillRef idx="1">
+            <a:schemeClr val="lt1"/>
+          </a:fillRef>
+          <a:effectRef idx="0">
+            <a:schemeClr val="dk1"/>
+          </a:effectRef>
+          <a:fontRef idx="minor">
+            <a:schemeClr val="dk1"/>
+          </a:fontRef>
+        </p:style>
+        <p:txBody>
+          <a:bodyPr rot="0" spcFirstLastPara="0" vertOverflow="overflow" horzOverflow="overflow" vert="horz" wrap="square" lIns="91440" tIns="45720" rIns="91440" bIns="45720" numCol="1" spcCol="0" rtlCol="0" fromWordArt="0" anchor="ctr" anchorCtr="0" forceAA="0" compatLnSpc="1">
+            <a:prstTxWarp prst="textNoShape">
+              <a:avLst/>
+            </a:prstTxWarp>
+            <a:noAutofit/>
+          </a:bodyPr>
+          <a:lstStyle/>
+          <a:p>
+            <a:pPr algn="ctr"/>
+            <a:r>
+              <a:rPr lang="en-US" altLang="zh-CN" b="1" dirty="0"/>
+              <a:t>HWR</a:t>
+            </a:r>
+            <a:br>
+              <a:rPr lang="en-US" altLang="zh-CN" b="1" dirty="0"/>
+            </a:br>
+            <a:r>
+              <a:rPr lang="en-US" altLang="zh-CN" b="1" dirty="0"/>
+              <a:t>162.5MHZ</a:t>
+            </a:r>
+            <a:endParaRPr lang="en-US" b="1" dirty="0"/>
+          </a:p>
+        </p:txBody>
+      </p:sp>
+      <p:sp>
+        <p:nvSpPr>
+          <p:cNvPr id="7" name="矩形 6">
+            <a:extLst>
+              <a:ext uri="{FF2B5EF4-FFF2-40B4-BE49-F238E27FC236}">
+                <a16:creationId xmlns:a16="http://schemas.microsoft.com/office/drawing/2014/main" id="{0FEB4041-A870-43C9-8937-AFD3430F59E0}"/>
+              </a:ext>
+            </a:extLst>
+          </p:cNvPr>
+          <p:cNvSpPr/>
+          <p:nvPr/>
+        </p:nvSpPr>
+        <p:spPr>
+          <a:xfrm>
+            <a:off x="446488" y="1505340"/>
+            <a:ext cx="917576" cy="821094"/>
+          </a:xfrm>
+          <a:prstGeom prst="rect">
+            <a:avLst/>
+          </a:prstGeom>
+          <a:ln w="38100">
+            <a:solidFill>
+              <a:schemeClr val="tx1"/>
+            </a:solidFill>
+          </a:ln>
+        </p:spPr>
+        <p:style>
+          <a:lnRef idx="2">
+            <a:schemeClr val="dk1"/>
+          </a:lnRef>
+          <a:fillRef idx="1">
+            <a:schemeClr val="lt1"/>
+          </a:fillRef>
+          <a:effectRef idx="0">
+            <a:schemeClr val="dk1"/>
+          </a:effectRef>
+          <a:fontRef idx="minor">
+            <a:schemeClr val="dk1"/>
+          </a:fontRef>
+        </p:style>
+        <p:txBody>
+          <a:bodyPr rot="0" spcFirstLastPara="0" vertOverflow="overflow" horzOverflow="overflow" vert="horz" wrap="square" lIns="91440" tIns="45720" rIns="91440" bIns="45720" numCol="1" spcCol="0" rtlCol="0" fromWordArt="0" anchor="ctr" anchorCtr="0" forceAA="0" compatLnSpc="1">
+            <a:prstTxWarp prst="textNoShape">
+              <a:avLst/>
+            </a:prstTxWarp>
+            <a:noAutofit/>
+          </a:bodyPr>
+          <a:lstStyle/>
+          <a:p>
+            <a:pPr algn="ctr"/>
+            <a:r>
+              <a:rPr lang="zh-CN" altLang="en-US" b="1" dirty="0"/>
+              <a:t>离子源</a:t>
+            </a:r>
+            <a:endParaRPr lang="en-US" b="1" dirty="0"/>
+          </a:p>
+        </p:txBody>
+      </p:sp>
+      <p:sp>
+        <p:nvSpPr>
+          <p:cNvPr id="8" name="矩形 7">
+            <a:extLst>
+              <a:ext uri="{FF2B5EF4-FFF2-40B4-BE49-F238E27FC236}">
+                <a16:creationId xmlns:a16="http://schemas.microsoft.com/office/drawing/2014/main" id="{2F99A5DD-F40A-459D-A09B-097217DF6377}"/>
+              </a:ext>
+            </a:extLst>
+          </p:cNvPr>
+          <p:cNvSpPr/>
+          <p:nvPr/>
+        </p:nvSpPr>
+        <p:spPr>
+          <a:xfrm>
+            <a:off x="2003392" y="1440027"/>
+            <a:ext cx="1200538" cy="951722"/>
+          </a:xfrm>
+          <a:prstGeom prst="rect">
+            <a:avLst/>
+          </a:prstGeom>
+          <a:ln w="38100">
+            <a:solidFill>
+              <a:schemeClr val="tx1"/>
+            </a:solidFill>
+          </a:ln>
+        </p:spPr>
+        <p:style>
+          <a:lnRef idx="2">
+            <a:schemeClr val="dk1"/>
+          </a:lnRef>
+          <a:fillRef idx="1">
+            <a:schemeClr val="lt1"/>
+          </a:fillRef>
+          <a:effectRef idx="0">
+            <a:schemeClr val="dk1"/>
+          </a:effectRef>
+          <a:fontRef idx="minor">
+            <a:schemeClr val="dk1"/>
+          </a:fontRef>
+        </p:style>
+        <p:txBody>
+          <a:bodyPr rot="0" spcFirstLastPara="0" vertOverflow="overflow" horzOverflow="overflow" vert="horz" wrap="square" lIns="91440" tIns="45720" rIns="91440" bIns="45720" numCol="1" spcCol="0" rtlCol="0" fromWordArt="0" anchor="ctr" anchorCtr="0" forceAA="0" compatLnSpc="1">
+            <a:prstTxWarp prst="textNoShape">
+              <a:avLst/>
+            </a:prstTxWarp>
+            <a:noAutofit/>
+          </a:bodyPr>
+          <a:lstStyle/>
+          <a:p>
+            <a:pPr algn="ctr"/>
+            <a:r>
+              <a:rPr lang="en-US" altLang="zh-CN" b="1" dirty="0"/>
+              <a:t>RFQ</a:t>
+            </a:r>
+            <a:br>
+              <a:rPr lang="en-US" altLang="zh-CN" b="1" dirty="0"/>
+            </a:br>
+            <a:r>
+              <a:rPr lang="en-US" altLang="zh-CN" b="1" dirty="0"/>
+              <a:t>325MHZ</a:t>
+            </a:r>
+            <a:endParaRPr lang="en-US" b="1" dirty="0"/>
+          </a:p>
+        </p:txBody>
+      </p:sp>
+      <p:sp>
+        <p:nvSpPr>
+          <p:cNvPr id="9" name="矩形 8">
+            <a:extLst>
+              <a:ext uri="{FF2B5EF4-FFF2-40B4-BE49-F238E27FC236}">
+                <a16:creationId xmlns:a16="http://schemas.microsoft.com/office/drawing/2014/main" id="{CA09201E-17A1-4F78-A5E7-83A9837262E5}"/>
+              </a:ext>
+            </a:extLst>
+          </p:cNvPr>
+          <p:cNvSpPr/>
+          <p:nvPr/>
+        </p:nvSpPr>
+        <p:spPr>
+          <a:xfrm>
+            <a:off x="4019489" y="1440027"/>
+            <a:ext cx="1200538" cy="951722"/>
+          </a:xfrm>
+          <a:prstGeom prst="rect">
+            <a:avLst/>
+          </a:prstGeom>
+          <a:ln w="38100">
+            <a:solidFill>
+              <a:schemeClr val="tx1"/>
+            </a:solidFill>
+          </a:ln>
+        </p:spPr>
+        <p:style>
+          <a:lnRef idx="2">
+            <a:schemeClr val="dk1"/>
+          </a:lnRef>
+          <a:fillRef idx="1">
+            <a:schemeClr val="lt1"/>
+          </a:fillRef>
+          <a:effectRef idx="0">
+            <a:schemeClr val="dk1"/>
+          </a:effectRef>
+          <a:fontRef idx="minor">
+            <a:schemeClr val="dk1"/>
+          </a:fontRef>
+        </p:style>
+        <p:txBody>
+          <a:bodyPr rot="0" spcFirstLastPara="0" vertOverflow="overflow" horzOverflow="overflow" vert="horz" wrap="square" lIns="91440" tIns="45720" rIns="91440" bIns="45720" numCol="1" spcCol="0" rtlCol="0" fromWordArt="0" anchor="ctr" anchorCtr="0" forceAA="0" compatLnSpc="1">
+            <a:prstTxWarp prst="textNoShape">
+              <a:avLst/>
+            </a:prstTxWarp>
+            <a:noAutofit/>
+          </a:bodyPr>
+          <a:lstStyle/>
+          <a:p>
+            <a:pPr algn="ctr"/>
+            <a:r>
+              <a:rPr lang="en-US" altLang="zh-CN" b="1" dirty="0"/>
+              <a:t>Spoke</a:t>
+            </a:r>
+            <a:br>
+              <a:rPr lang="en-US" altLang="zh-CN" b="1" dirty="0"/>
+            </a:br>
+            <a:r>
+              <a:rPr lang="en-US" altLang="zh-CN" b="1" dirty="0"/>
+              <a:t>325MHZ</a:t>
+            </a:r>
+            <a:endParaRPr lang="en-US" b="1" dirty="0"/>
+          </a:p>
+        </p:txBody>
+      </p:sp>
+      <p:sp>
+        <p:nvSpPr>
+          <p:cNvPr id="10" name="矩形 9">
+            <a:extLst>
+              <a:ext uri="{FF2B5EF4-FFF2-40B4-BE49-F238E27FC236}">
+                <a16:creationId xmlns:a16="http://schemas.microsoft.com/office/drawing/2014/main" id="{B454DA8C-AC28-4E71-901D-8A96390A9F20}"/>
+              </a:ext>
+            </a:extLst>
+          </p:cNvPr>
+          <p:cNvSpPr/>
+          <p:nvPr/>
+        </p:nvSpPr>
+        <p:spPr>
+          <a:xfrm>
+            <a:off x="1891425" y="780664"/>
+            <a:ext cx="1395107" cy="494522"/>
+          </a:xfrm>
+          <a:prstGeom prst="rect">
+            <a:avLst/>
+          </a:prstGeom>
+          <a:noFill/>
+          <a:ln>
+            <a:noFill/>
+          </a:ln>
+        </p:spPr>
+        <p:style>
+          <a:lnRef idx="0">
+            <a:scrgbClr r="0" g="0" b="0"/>
+          </a:lnRef>
+          <a:fillRef idx="0">
+            <a:scrgbClr r="0" g="0" b="0"/>
+          </a:fillRef>
+          <a:effectRef idx="0">
+            <a:scrgbClr r="0" g="0" b="0"/>
+          </a:effectRef>
+          <a:fontRef idx="minor">
+            <a:schemeClr val="dk1"/>
+          </a:fontRef>
+        </p:style>
+        <p:txBody>
+          <a:bodyPr rot="0" spcFirstLastPara="0" vertOverflow="overflow" horzOverflow="overflow" vert="horz" wrap="square" lIns="91440" tIns="45720" rIns="91440" bIns="45720" numCol="1" spcCol="0" rtlCol="0" fromWordArt="0" anchor="ctr" anchorCtr="0" forceAA="0" compatLnSpc="1">
+            <a:prstTxWarp prst="textNoShape">
+              <a:avLst/>
+            </a:prstTxWarp>
+            <a:noAutofit/>
+          </a:bodyPr>
+          <a:lstStyle/>
+          <a:p>
+            <a:pPr algn="ctr"/>
+            <a:r>
+              <a:rPr lang="zh-CN" altLang="en-US" sz="2400" b="1" dirty="0"/>
+              <a:t>注入器</a:t>
+            </a:r>
+            <a:r>
+              <a:rPr lang="en-US" sz="2400" b="1" dirty="0"/>
+              <a:t> I</a:t>
+            </a:r>
+          </a:p>
+        </p:txBody>
+      </p:sp>
+      <p:sp>
+        <p:nvSpPr>
+          <p:cNvPr id="11" name="矩形 10">
+            <a:extLst>
+              <a:ext uri="{FF2B5EF4-FFF2-40B4-BE49-F238E27FC236}">
+                <a16:creationId xmlns:a16="http://schemas.microsoft.com/office/drawing/2014/main" id="{1ACDD77D-A41F-4FEA-A723-4E3C0DD21508}"/>
+              </a:ext>
+            </a:extLst>
+          </p:cNvPr>
+          <p:cNvSpPr/>
+          <p:nvPr/>
+        </p:nvSpPr>
+        <p:spPr>
+          <a:xfrm>
+            <a:off x="1891427" y="5467067"/>
+            <a:ext cx="1395107" cy="494522"/>
+          </a:xfrm>
+          <a:prstGeom prst="rect">
+            <a:avLst/>
+          </a:prstGeom>
+          <a:noFill/>
+          <a:ln>
+            <a:noFill/>
+          </a:ln>
+        </p:spPr>
+        <p:style>
+          <a:lnRef idx="0">
+            <a:scrgbClr r="0" g="0" b="0"/>
+          </a:lnRef>
+          <a:fillRef idx="0">
+            <a:scrgbClr r="0" g="0" b="0"/>
+          </a:fillRef>
+          <a:effectRef idx="0">
+            <a:scrgbClr r="0" g="0" b="0"/>
+          </a:effectRef>
+          <a:fontRef idx="minor">
+            <a:schemeClr val="dk1"/>
+          </a:fontRef>
+        </p:style>
+        <p:txBody>
+          <a:bodyPr rot="0" spcFirstLastPara="0" vertOverflow="overflow" horzOverflow="overflow" vert="horz" wrap="square" lIns="91440" tIns="45720" rIns="91440" bIns="45720" numCol="1" spcCol="0" rtlCol="0" fromWordArt="0" anchor="ctr" anchorCtr="0" forceAA="0" compatLnSpc="1">
+            <a:prstTxWarp prst="textNoShape">
+              <a:avLst/>
+            </a:prstTxWarp>
+            <a:noAutofit/>
+          </a:bodyPr>
+          <a:lstStyle/>
+          <a:p>
+            <a:pPr algn="ctr"/>
+            <a:r>
+              <a:rPr lang="zh-CN" altLang="en-US" sz="2400" b="1" dirty="0"/>
+              <a:t>注入器 </a:t>
+            </a:r>
+            <a:r>
+              <a:rPr lang="en-US" sz="2400" b="1" dirty="0"/>
+              <a:t>I</a:t>
+            </a:r>
+            <a:r>
+              <a:rPr lang="en-US" altLang="zh-CN" sz="2400" b="1" dirty="0"/>
+              <a:t>I</a:t>
+            </a:r>
+            <a:endParaRPr lang="en-US" sz="2400" b="1" dirty="0"/>
+          </a:p>
+        </p:txBody>
+      </p:sp>
+      <p:sp>
+        <p:nvSpPr>
+          <p:cNvPr id="12" name="箭头: 右 11">
+            <a:extLst>
+              <a:ext uri="{FF2B5EF4-FFF2-40B4-BE49-F238E27FC236}">
+                <a16:creationId xmlns:a16="http://schemas.microsoft.com/office/drawing/2014/main" id="{87B1ACFA-5F3A-4DDD-B811-400A94D4AA50}"/>
+              </a:ext>
+            </a:extLst>
+          </p:cNvPr>
+          <p:cNvSpPr/>
+          <p:nvPr/>
+        </p:nvSpPr>
+        <p:spPr>
+          <a:xfrm>
+            <a:off x="1364062" y="1744826"/>
+            <a:ext cx="639330" cy="335903"/>
+          </a:xfrm>
+          <a:prstGeom prst="rightArrow">
+            <a:avLst/>
+          </a:prstGeom>
+          <a:ln w="28575"/>
+        </p:spPr>
+        <p:style>
+          <a:lnRef idx="2">
+            <a:schemeClr val="dk1"/>
+          </a:lnRef>
+          <a:fillRef idx="1">
+            <a:schemeClr val="lt1"/>
+          </a:fillRef>
+          <a:effectRef idx="0">
+            <a:schemeClr val="dk1"/>
+          </a:effectRef>
+          <a:fontRef idx="minor">
+            <a:schemeClr val="dk1"/>
+          </a:fontRef>
+        </p:style>
+        <p:txBody>
+          <a:bodyPr rot="0" spcFirstLastPara="0" vertOverflow="overflow" horzOverflow="overflow" vert="horz" wrap="square" lIns="91440" tIns="45720" rIns="91440" bIns="45720" numCol="1" spcCol="0" rtlCol="0" fromWordArt="0" anchor="ctr" anchorCtr="0" forceAA="0" compatLnSpc="1">
+            <a:prstTxWarp prst="textNoShape">
+              <a:avLst/>
+            </a:prstTxWarp>
+            <a:noAutofit/>
+          </a:bodyPr>
+          <a:lstStyle/>
+          <a:p>
+            <a:pPr algn="ctr"/>
+            <a:r>
+              <a:rPr lang="en-US" sz="1400" b="1" dirty="0"/>
+              <a:t>LEBT</a:t>
+            </a:r>
+          </a:p>
+        </p:txBody>
+      </p:sp>
+      <p:sp>
+        <p:nvSpPr>
+          <p:cNvPr id="13" name="箭头: 右 12">
+            <a:extLst>
+              <a:ext uri="{FF2B5EF4-FFF2-40B4-BE49-F238E27FC236}">
+                <a16:creationId xmlns:a16="http://schemas.microsoft.com/office/drawing/2014/main" id="{EA323940-2FE3-4423-BA02-BC430B07C5DF}"/>
+              </a:ext>
+            </a:extLst>
+          </p:cNvPr>
+          <p:cNvSpPr/>
+          <p:nvPr/>
+        </p:nvSpPr>
+        <p:spPr>
+          <a:xfrm>
+            <a:off x="3205991" y="1744824"/>
+            <a:ext cx="813499" cy="335903"/>
+          </a:xfrm>
+          <a:prstGeom prst="rightArrow">
+            <a:avLst/>
+          </a:prstGeom>
+          <a:ln w="28575"/>
+        </p:spPr>
+        <p:style>
+          <a:lnRef idx="2">
+            <a:schemeClr val="dk1"/>
+          </a:lnRef>
+          <a:fillRef idx="1">
+            <a:schemeClr val="lt1"/>
+          </a:fillRef>
+          <a:effectRef idx="0">
+            <a:schemeClr val="dk1"/>
+          </a:effectRef>
+          <a:fontRef idx="minor">
+            <a:schemeClr val="dk1"/>
+          </a:fontRef>
+        </p:style>
+        <p:txBody>
+          <a:bodyPr rot="0" spcFirstLastPara="0" vertOverflow="overflow" horzOverflow="overflow" vert="horz" wrap="square" lIns="91440" tIns="45720" rIns="91440" bIns="45720" numCol="1" spcCol="0" rtlCol="0" fromWordArt="0" anchor="ctr" anchorCtr="0" forceAA="0" compatLnSpc="1">
+            <a:prstTxWarp prst="textNoShape">
+              <a:avLst/>
+            </a:prstTxWarp>
+            <a:noAutofit/>
+          </a:bodyPr>
+          <a:lstStyle/>
+          <a:p>
+            <a:pPr algn="ctr"/>
+            <a:r>
+              <a:rPr lang="en-US" sz="1400" b="1" dirty="0"/>
+              <a:t>MEBT1</a:t>
+            </a:r>
+          </a:p>
+        </p:txBody>
+      </p:sp>
+      <p:sp>
+        <p:nvSpPr>
+          <p:cNvPr id="14" name="箭头: 右 13">
+            <a:extLst>
+              <a:ext uri="{FF2B5EF4-FFF2-40B4-BE49-F238E27FC236}">
+                <a16:creationId xmlns:a16="http://schemas.microsoft.com/office/drawing/2014/main" id="{497E0FB8-C7DE-4D8A-B0AC-614899FFBDB5}"/>
+              </a:ext>
+            </a:extLst>
+          </p:cNvPr>
+          <p:cNvSpPr/>
+          <p:nvPr/>
+        </p:nvSpPr>
+        <p:spPr>
+          <a:xfrm>
+            <a:off x="1347825" y="4655978"/>
+            <a:ext cx="639330" cy="335903"/>
+          </a:xfrm>
+          <a:prstGeom prst="rightArrow">
+            <a:avLst/>
+          </a:prstGeom>
+          <a:ln w="28575"/>
+        </p:spPr>
+        <p:style>
+          <a:lnRef idx="2">
+            <a:schemeClr val="dk1"/>
+          </a:lnRef>
+          <a:fillRef idx="1">
+            <a:schemeClr val="lt1"/>
+          </a:fillRef>
+          <a:effectRef idx="0">
+            <a:schemeClr val="dk1"/>
+          </a:effectRef>
+          <a:fontRef idx="minor">
+            <a:schemeClr val="dk1"/>
+          </a:fontRef>
+        </p:style>
+        <p:txBody>
+          <a:bodyPr rot="0" spcFirstLastPara="0" vertOverflow="overflow" horzOverflow="overflow" vert="horz" wrap="square" lIns="91440" tIns="45720" rIns="91440" bIns="45720" numCol="1" spcCol="0" rtlCol="0" fromWordArt="0" anchor="ctr" anchorCtr="0" forceAA="0" compatLnSpc="1">
+            <a:prstTxWarp prst="textNoShape">
+              <a:avLst/>
+            </a:prstTxWarp>
+            <a:noAutofit/>
+          </a:bodyPr>
+          <a:lstStyle/>
+          <a:p>
+            <a:pPr algn="ctr"/>
+            <a:r>
+              <a:rPr lang="en-US" sz="1400" b="1" dirty="0"/>
+              <a:t>LEBT</a:t>
+            </a:r>
+          </a:p>
+        </p:txBody>
+      </p:sp>
+      <p:sp>
+        <p:nvSpPr>
+          <p:cNvPr id="15" name="箭头: 右 14">
+            <a:extLst>
+              <a:ext uri="{FF2B5EF4-FFF2-40B4-BE49-F238E27FC236}">
+                <a16:creationId xmlns:a16="http://schemas.microsoft.com/office/drawing/2014/main" id="{55E0F935-14EC-4D8D-80B1-793182E64924}"/>
+              </a:ext>
+            </a:extLst>
+          </p:cNvPr>
+          <p:cNvSpPr/>
+          <p:nvPr/>
+        </p:nvSpPr>
+        <p:spPr>
+          <a:xfrm>
+            <a:off x="3203932" y="4655978"/>
+            <a:ext cx="813499" cy="335903"/>
+          </a:xfrm>
+          <a:prstGeom prst="rightArrow">
+            <a:avLst/>
+          </a:prstGeom>
+          <a:ln w="28575"/>
+        </p:spPr>
+        <p:style>
+          <a:lnRef idx="2">
+            <a:schemeClr val="dk1"/>
+          </a:lnRef>
+          <a:fillRef idx="1">
+            <a:schemeClr val="lt1"/>
+          </a:fillRef>
+          <a:effectRef idx="0">
+            <a:schemeClr val="dk1"/>
+          </a:effectRef>
+          <a:fontRef idx="minor">
+            <a:schemeClr val="dk1"/>
+          </a:fontRef>
+        </p:style>
+        <p:txBody>
+          <a:bodyPr rot="0" spcFirstLastPara="0" vertOverflow="overflow" horzOverflow="overflow" vert="horz" wrap="square" lIns="91440" tIns="45720" rIns="91440" bIns="45720" numCol="1" spcCol="0" rtlCol="0" fromWordArt="0" anchor="ctr" anchorCtr="0" forceAA="0" compatLnSpc="1">
+            <a:prstTxWarp prst="textNoShape">
+              <a:avLst/>
+            </a:prstTxWarp>
+            <a:noAutofit/>
+          </a:bodyPr>
+          <a:lstStyle/>
+          <a:p>
+            <a:pPr algn="ctr"/>
+            <a:r>
+              <a:rPr lang="en-US" sz="1400" b="1" dirty="0"/>
+              <a:t>MEBT1</a:t>
+            </a:r>
+          </a:p>
+        </p:txBody>
+      </p:sp>
+      <p:cxnSp>
+        <p:nvCxnSpPr>
+          <p:cNvPr id="18" name="连接符: 肘形 17">
+            <a:extLst>
+              <a:ext uri="{FF2B5EF4-FFF2-40B4-BE49-F238E27FC236}">
+                <a16:creationId xmlns:a16="http://schemas.microsoft.com/office/drawing/2014/main" id="{2EF3569E-47CF-4A27-8003-146E26980981}"/>
+              </a:ext>
+            </a:extLst>
+          </p:cNvPr>
+          <p:cNvCxnSpPr>
+            <a:cxnSpLocks/>
+            <a:stCxn id="9" idx="3"/>
+            <a:endCxn id="22" idx="1"/>
+          </p:cNvCxnSpPr>
+          <p:nvPr/>
+        </p:nvCxnSpPr>
+        <p:spPr>
+          <a:xfrm>
+            <a:off x="5220027" y="1915888"/>
+            <a:ext cx="567108" cy="1464127"/>
+          </a:xfrm>
+          <a:prstGeom prst="bentConnector3">
+            <a:avLst/>
+          </a:prstGeom>
+          <a:ln>
+            <a:tailEnd type="triangle"/>
+          </a:ln>
+        </p:spPr>
+        <p:style>
+          <a:lnRef idx="3">
+            <a:schemeClr val="dk1"/>
+          </a:lnRef>
+          <a:fillRef idx="0">
+            <a:schemeClr val="dk1"/>
+          </a:fillRef>
+          <a:effectRef idx="2">
+            <a:schemeClr val="dk1"/>
+          </a:effectRef>
+          <a:fontRef idx="minor">
+            <a:schemeClr val="tx1"/>
+          </a:fontRef>
+        </p:style>
+      </p:cxnSp>
+      <p:cxnSp>
+        <p:nvCxnSpPr>
+          <p:cNvPr id="19" name="连接符: 肘形 18">
+            <a:extLst>
+              <a:ext uri="{FF2B5EF4-FFF2-40B4-BE49-F238E27FC236}">
+                <a16:creationId xmlns:a16="http://schemas.microsoft.com/office/drawing/2014/main" id="{FAF37A3C-E31D-4854-8D46-67D7F310B457}"/>
+              </a:ext>
+            </a:extLst>
+          </p:cNvPr>
+          <p:cNvCxnSpPr>
+            <a:cxnSpLocks/>
+            <a:stCxn id="6" idx="3"/>
+            <a:endCxn id="22" idx="1"/>
+          </p:cNvCxnSpPr>
+          <p:nvPr/>
+        </p:nvCxnSpPr>
+        <p:spPr>
+          <a:xfrm flipV="1">
+            <a:off x="5220027" y="3380015"/>
+            <a:ext cx="567108" cy="1443913"/>
+          </a:xfrm>
+          <a:prstGeom prst="bentConnector3">
+            <a:avLst>
+              <a:gd name="adj1" fmla="val 50000"/>
+            </a:avLst>
+          </a:prstGeom>
+          <a:ln>
+            <a:tailEnd type="triangle"/>
+          </a:ln>
+        </p:spPr>
+        <p:style>
+          <a:lnRef idx="3">
+            <a:schemeClr val="dk1"/>
+          </a:lnRef>
+          <a:fillRef idx="0">
+            <a:schemeClr val="dk1"/>
+          </a:fillRef>
+          <a:effectRef idx="2">
+            <a:schemeClr val="dk1"/>
+          </a:effectRef>
+          <a:fontRef idx="minor">
+            <a:schemeClr val="tx1"/>
+          </a:fontRef>
+        </p:style>
+      </p:cxnSp>
+      <p:sp>
+        <p:nvSpPr>
+          <p:cNvPr id="22" name="矩形 21">
+            <a:extLst>
+              <a:ext uri="{FF2B5EF4-FFF2-40B4-BE49-F238E27FC236}">
+                <a16:creationId xmlns:a16="http://schemas.microsoft.com/office/drawing/2014/main" id="{961AA9FF-02BF-4F4E-B86B-3199A66DA394}"/>
+              </a:ext>
+            </a:extLst>
+          </p:cNvPr>
+          <p:cNvSpPr/>
+          <p:nvPr/>
+        </p:nvSpPr>
+        <p:spPr>
+          <a:xfrm>
+            <a:off x="5787135" y="2904154"/>
+            <a:ext cx="1448147" cy="951722"/>
+          </a:xfrm>
+          <a:prstGeom prst="rect">
+            <a:avLst/>
+          </a:prstGeom>
+          <a:ln w="38100">
+            <a:solidFill>
+              <a:schemeClr val="tx1"/>
+            </a:solidFill>
+          </a:ln>
+        </p:spPr>
+        <p:style>
+          <a:lnRef idx="2">
+            <a:schemeClr val="dk1"/>
+          </a:lnRef>
+          <a:fillRef idx="1">
+            <a:schemeClr val="lt1"/>
+          </a:fillRef>
+          <a:effectRef idx="0">
+            <a:schemeClr val="dk1"/>
+          </a:effectRef>
+          <a:fontRef idx="minor">
+            <a:schemeClr val="dk1"/>
+          </a:fontRef>
+        </p:style>
+        <p:txBody>
+          <a:bodyPr rot="0" spcFirstLastPara="0" vertOverflow="overflow" horzOverflow="overflow" vert="horz" wrap="square" lIns="91440" tIns="45720" rIns="91440" bIns="45720" numCol="1" spcCol="0" rtlCol="0" fromWordArt="0" anchor="ctr" anchorCtr="0" forceAA="0" compatLnSpc="1">
+            <a:prstTxWarp prst="textNoShape">
+              <a:avLst/>
+            </a:prstTxWarp>
+            <a:noAutofit/>
+          </a:bodyPr>
+          <a:lstStyle/>
+          <a:p>
+            <a:pPr algn="ctr"/>
+            <a:r>
+              <a:rPr lang="en-US" altLang="zh-CN" b="1" dirty="0"/>
+              <a:t>Spoke</a:t>
+            </a:r>
+            <a:r>
+              <a:rPr lang="zh-CN" altLang="en-US" b="1" dirty="0"/>
+              <a:t>腔 </a:t>
+            </a:r>
+            <a:r>
+              <a:rPr lang="en-US" altLang="zh-CN" b="1" dirty="0"/>
+              <a:t>021</a:t>
+            </a:r>
+            <a:br>
+              <a:rPr lang="en-US" altLang="zh-CN" b="1" dirty="0"/>
+            </a:br>
+            <a:r>
+              <a:rPr lang="en-US" altLang="zh-CN" b="1" dirty="0"/>
+              <a:t>325MHZ</a:t>
+            </a:r>
+          </a:p>
+          <a:p>
+            <a:pPr algn="ctr"/>
+            <a:r>
+              <a:rPr lang="en-US" b="1" dirty="0"/>
+              <a:t>32</a:t>
+            </a:r>
+            <a:r>
+              <a:rPr lang="zh-CN" altLang="en-US" b="1" dirty="0"/>
+              <a:t>个腔</a:t>
+            </a:r>
+            <a:endParaRPr lang="en-US" b="1" dirty="0"/>
+          </a:p>
+        </p:txBody>
+      </p:sp>
+      <p:sp>
+        <p:nvSpPr>
+          <p:cNvPr id="25" name="矩形 24">
+            <a:extLst>
+              <a:ext uri="{FF2B5EF4-FFF2-40B4-BE49-F238E27FC236}">
+                <a16:creationId xmlns:a16="http://schemas.microsoft.com/office/drawing/2014/main" id="{5D12B8EE-E103-4EAE-8039-5338152A4EA8}"/>
+              </a:ext>
+            </a:extLst>
+          </p:cNvPr>
+          <p:cNvSpPr/>
+          <p:nvPr/>
+        </p:nvSpPr>
+        <p:spPr>
+          <a:xfrm>
+            <a:off x="7489501" y="2904154"/>
+            <a:ext cx="1445574" cy="951722"/>
+          </a:xfrm>
+          <a:prstGeom prst="rect">
+            <a:avLst/>
+          </a:prstGeom>
+          <a:ln w="38100">
+            <a:solidFill>
+              <a:schemeClr val="tx1"/>
+            </a:solidFill>
+          </a:ln>
+        </p:spPr>
+        <p:style>
+          <a:lnRef idx="2">
+            <a:schemeClr val="dk1"/>
+          </a:lnRef>
+          <a:fillRef idx="1">
+            <a:schemeClr val="lt1"/>
+          </a:fillRef>
+          <a:effectRef idx="0">
+            <a:schemeClr val="dk1"/>
+          </a:effectRef>
+          <a:fontRef idx="minor">
+            <a:schemeClr val="dk1"/>
+          </a:fontRef>
+        </p:style>
+        <p:txBody>
+          <a:bodyPr rot="0" spcFirstLastPara="0" vertOverflow="overflow" horzOverflow="overflow" vert="horz" wrap="square" lIns="91440" tIns="45720" rIns="91440" bIns="45720" numCol="1" spcCol="0" rtlCol="0" fromWordArt="0" anchor="ctr" anchorCtr="0" forceAA="0" compatLnSpc="1">
+            <a:prstTxWarp prst="textNoShape">
+              <a:avLst/>
+            </a:prstTxWarp>
+            <a:noAutofit/>
+          </a:bodyPr>
+          <a:lstStyle/>
+          <a:p>
+            <a:pPr algn="ctr"/>
+            <a:r>
+              <a:rPr lang="en-US" altLang="zh-CN" b="1" dirty="0"/>
+              <a:t>Spoke</a:t>
+            </a:r>
+            <a:r>
+              <a:rPr lang="zh-CN" altLang="en-US" b="1" dirty="0"/>
+              <a:t>腔 </a:t>
+            </a:r>
+            <a:r>
+              <a:rPr lang="en-US" altLang="zh-CN" b="1" dirty="0"/>
+              <a:t>040</a:t>
+            </a:r>
+            <a:br>
+              <a:rPr lang="en-US" altLang="zh-CN" b="1" dirty="0"/>
+            </a:br>
+            <a:r>
+              <a:rPr lang="en-US" altLang="zh-CN" b="1" dirty="0"/>
+              <a:t>325MHZ</a:t>
+            </a:r>
+          </a:p>
+          <a:p>
+            <a:pPr algn="ctr"/>
+            <a:r>
+              <a:rPr lang="en-US" b="1" dirty="0"/>
+              <a:t>80</a:t>
+            </a:r>
+            <a:r>
+              <a:rPr lang="zh-CN" altLang="en-US" b="1" dirty="0"/>
+              <a:t>个腔</a:t>
+            </a:r>
+            <a:endParaRPr lang="en-US" b="1" dirty="0"/>
+          </a:p>
+        </p:txBody>
+      </p:sp>
+      <p:cxnSp>
+        <p:nvCxnSpPr>
+          <p:cNvPr id="30" name="直接箭头连接符 29">
+            <a:extLst>
+              <a:ext uri="{FF2B5EF4-FFF2-40B4-BE49-F238E27FC236}">
+                <a16:creationId xmlns:a16="http://schemas.microsoft.com/office/drawing/2014/main" id="{5A6038A9-C682-4FF5-83E2-B90F959C4A7B}"/>
+              </a:ext>
+            </a:extLst>
+          </p:cNvPr>
+          <p:cNvCxnSpPr>
+            <a:cxnSpLocks/>
+            <a:stCxn id="22" idx="3"/>
+            <a:endCxn id="25" idx="1"/>
+          </p:cNvCxnSpPr>
+          <p:nvPr/>
+        </p:nvCxnSpPr>
+        <p:spPr>
+          <a:xfrm>
+            <a:off x="7235282" y="3380015"/>
+            <a:ext cx="254219" cy="0"/>
+          </a:xfrm>
+          <a:prstGeom prst="straightConnector1">
+            <a:avLst/>
+          </a:prstGeom>
+          <a:ln>
+            <a:tailEnd type="triangle"/>
+          </a:ln>
+        </p:spPr>
+        <p:style>
+          <a:lnRef idx="3">
+            <a:schemeClr val="dk1"/>
+          </a:lnRef>
+          <a:fillRef idx="0">
+            <a:schemeClr val="dk1"/>
+          </a:fillRef>
+          <a:effectRef idx="2">
+            <a:schemeClr val="dk1"/>
+          </a:effectRef>
+          <a:fontRef idx="minor">
+            <a:schemeClr val="tx1"/>
+          </a:fontRef>
+        </p:style>
+      </p:cxnSp>
+      <p:sp>
+        <p:nvSpPr>
+          <p:cNvPr id="31" name="矩形 30">
+            <a:extLst>
+              <a:ext uri="{FF2B5EF4-FFF2-40B4-BE49-F238E27FC236}">
+                <a16:creationId xmlns:a16="http://schemas.microsoft.com/office/drawing/2014/main" id="{E179B9A9-6DE4-41C1-8BA4-F9D92EED8C2B}"/>
+              </a:ext>
+            </a:extLst>
+          </p:cNvPr>
+          <p:cNvSpPr/>
+          <p:nvPr/>
+        </p:nvSpPr>
+        <p:spPr>
+          <a:xfrm>
+            <a:off x="9189294" y="2904154"/>
+            <a:ext cx="1454756" cy="951722"/>
+          </a:xfrm>
+          <a:prstGeom prst="rect">
+            <a:avLst/>
+          </a:prstGeom>
+          <a:ln w="38100">
+            <a:solidFill>
+              <a:schemeClr val="tx1"/>
+            </a:solidFill>
+          </a:ln>
+        </p:spPr>
+        <p:style>
+          <a:lnRef idx="2">
+            <a:schemeClr val="dk1"/>
+          </a:lnRef>
+          <a:fillRef idx="1">
+            <a:schemeClr val="lt1"/>
+          </a:fillRef>
+          <a:effectRef idx="0">
+            <a:schemeClr val="dk1"/>
+          </a:effectRef>
+          <a:fontRef idx="minor">
+            <a:schemeClr val="dk1"/>
+          </a:fontRef>
+        </p:style>
+        <p:txBody>
+          <a:bodyPr rot="0" spcFirstLastPara="0" vertOverflow="overflow" horzOverflow="overflow" vert="horz" wrap="square" lIns="91440" tIns="45720" rIns="91440" bIns="45720" numCol="1" spcCol="0" rtlCol="0" fromWordArt="0" anchor="ctr" anchorCtr="0" forceAA="0" compatLnSpc="1">
+            <a:prstTxWarp prst="textNoShape">
+              <a:avLst/>
+            </a:prstTxWarp>
+            <a:noAutofit/>
+          </a:bodyPr>
+          <a:lstStyle/>
+          <a:p>
+            <a:pPr algn="ctr"/>
+            <a:r>
+              <a:rPr lang="zh-CN" altLang="en-US" b="1" dirty="0"/>
+              <a:t>椭球腔</a:t>
+            </a:r>
+            <a:r>
+              <a:rPr lang="en-US" altLang="zh-CN" b="1" dirty="0"/>
+              <a:t> 063</a:t>
+            </a:r>
+            <a:br>
+              <a:rPr lang="en-US" altLang="zh-CN" b="1" dirty="0"/>
+            </a:br>
+            <a:r>
+              <a:rPr lang="en-US" altLang="zh-CN" b="1" dirty="0"/>
+              <a:t>650MHZ</a:t>
+            </a:r>
+          </a:p>
+          <a:p>
+            <a:pPr algn="ctr"/>
+            <a:r>
+              <a:rPr lang="en-US" b="1" dirty="0"/>
+              <a:t>32</a:t>
+            </a:r>
+            <a:r>
+              <a:rPr lang="zh-CN" altLang="en-US" b="1" dirty="0"/>
+              <a:t>个腔</a:t>
+            </a:r>
+            <a:endParaRPr lang="en-US" b="1" dirty="0"/>
+          </a:p>
+        </p:txBody>
+      </p:sp>
+      <p:cxnSp>
+        <p:nvCxnSpPr>
+          <p:cNvPr id="32" name="直接箭头连接符 31">
+            <a:extLst>
+              <a:ext uri="{FF2B5EF4-FFF2-40B4-BE49-F238E27FC236}">
+                <a16:creationId xmlns:a16="http://schemas.microsoft.com/office/drawing/2014/main" id="{D97D00DC-DF26-4245-8C49-5D09F50EE0CC}"/>
+              </a:ext>
+            </a:extLst>
+          </p:cNvPr>
+          <p:cNvCxnSpPr>
+            <a:cxnSpLocks/>
+            <a:stCxn id="25" idx="3"/>
+            <a:endCxn id="31" idx="1"/>
+          </p:cNvCxnSpPr>
+          <p:nvPr/>
+        </p:nvCxnSpPr>
+        <p:spPr>
+          <a:xfrm>
+            <a:off x="8935075" y="3380015"/>
+            <a:ext cx="254219" cy="0"/>
+          </a:xfrm>
+          <a:prstGeom prst="straightConnector1">
+            <a:avLst/>
+          </a:prstGeom>
+          <a:ln>
+            <a:tailEnd type="triangle"/>
+          </a:ln>
+        </p:spPr>
+        <p:style>
+          <a:lnRef idx="3">
+            <a:schemeClr val="dk1"/>
+          </a:lnRef>
+          <a:fillRef idx="0">
+            <a:schemeClr val="dk1"/>
+          </a:fillRef>
+          <a:effectRef idx="2">
+            <a:schemeClr val="dk1"/>
+          </a:effectRef>
+          <a:fontRef idx="minor">
+            <a:schemeClr val="tx1"/>
+          </a:fontRef>
+        </p:style>
+      </p:cxnSp>
+      <p:sp>
+        <p:nvSpPr>
+          <p:cNvPr id="38" name="矩形 37">
+            <a:extLst>
+              <a:ext uri="{FF2B5EF4-FFF2-40B4-BE49-F238E27FC236}">
+                <a16:creationId xmlns:a16="http://schemas.microsoft.com/office/drawing/2014/main" id="{03FEDAB7-0925-4BB6-813A-E57DF7C938B1}"/>
+              </a:ext>
+            </a:extLst>
+          </p:cNvPr>
+          <p:cNvSpPr/>
+          <p:nvPr/>
+        </p:nvSpPr>
+        <p:spPr>
+          <a:xfrm>
+            <a:off x="10931494" y="2904154"/>
+            <a:ext cx="1454756" cy="951722"/>
+          </a:xfrm>
+          <a:prstGeom prst="rect">
+            <a:avLst/>
+          </a:prstGeom>
+          <a:ln w="38100">
+            <a:solidFill>
+              <a:schemeClr val="tx1"/>
+            </a:solidFill>
+          </a:ln>
+        </p:spPr>
+        <p:style>
+          <a:lnRef idx="2">
+            <a:schemeClr val="dk1"/>
+          </a:lnRef>
+          <a:fillRef idx="1">
+            <a:schemeClr val="lt1"/>
+          </a:fillRef>
+          <a:effectRef idx="0">
+            <a:schemeClr val="dk1"/>
+          </a:effectRef>
+          <a:fontRef idx="minor">
+            <a:schemeClr val="dk1"/>
+          </a:fontRef>
+        </p:style>
+        <p:txBody>
+          <a:bodyPr rot="0" spcFirstLastPara="0" vertOverflow="overflow" horzOverflow="overflow" vert="horz" wrap="square" lIns="91440" tIns="45720" rIns="91440" bIns="45720" numCol="1" spcCol="0" rtlCol="0" fromWordArt="0" anchor="ctr" anchorCtr="0" forceAA="0" compatLnSpc="1">
+            <a:prstTxWarp prst="textNoShape">
+              <a:avLst/>
+            </a:prstTxWarp>
+            <a:noAutofit/>
+          </a:bodyPr>
+          <a:lstStyle/>
+          <a:p>
+            <a:pPr algn="ctr"/>
+            <a:r>
+              <a:rPr lang="zh-CN" altLang="en-US" b="1" dirty="0"/>
+              <a:t>椭球腔</a:t>
+            </a:r>
+            <a:r>
+              <a:rPr lang="en-US" altLang="zh-CN" b="1" dirty="0"/>
+              <a:t> 082</a:t>
+            </a:r>
+            <a:br>
+              <a:rPr lang="en-US" altLang="zh-CN" b="1" dirty="0"/>
+            </a:br>
+            <a:r>
+              <a:rPr lang="en-US" altLang="zh-CN" b="1" dirty="0"/>
+              <a:t>650MHZ</a:t>
+            </a:r>
+          </a:p>
+          <a:p>
+            <a:pPr algn="ctr"/>
+            <a:r>
+              <a:rPr lang="en-US" b="1" dirty="0"/>
+              <a:t>85</a:t>
+            </a:r>
+            <a:r>
+              <a:rPr lang="zh-CN" altLang="en-US" b="1" dirty="0"/>
+              <a:t>个腔</a:t>
+            </a:r>
+            <a:endParaRPr lang="en-US" b="1" dirty="0"/>
+          </a:p>
+        </p:txBody>
+      </p:sp>
+      <p:cxnSp>
+        <p:nvCxnSpPr>
+          <p:cNvPr id="39" name="直接箭头连接符 38">
+            <a:extLst>
+              <a:ext uri="{FF2B5EF4-FFF2-40B4-BE49-F238E27FC236}">
+                <a16:creationId xmlns:a16="http://schemas.microsoft.com/office/drawing/2014/main" id="{75CAA9A5-2842-4C14-B94D-C12DFBA84BDA}"/>
+              </a:ext>
+            </a:extLst>
+          </p:cNvPr>
+          <p:cNvCxnSpPr>
+            <a:cxnSpLocks/>
+            <a:stCxn id="31" idx="3"/>
+            <a:endCxn id="38" idx="1"/>
+          </p:cNvCxnSpPr>
+          <p:nvPr/>
+        </p:nvCxnSpPr>
+        <p:spPr>
+          <a:xfrm>
+            <a:off x="10644050" y="3380015"/>
+            <a:ext cx="287444" cy="0"/>
+          </a:xfrm>
+          <a:prstGeom prst="straightConnector1">
+            <a:avLst/>
+          </a:prstGeom>
+          <a:ln>
+            <a:tailEnd type="triangle"/>
+          </a:ln>
+        </p:spPr>
+        <p:style>
+          <a:lnRef idx="3">
+            <a:schemeClr val="dk1"/>
+          </a:lnRef>
+          <a:fillRef idx="0">
+            <a:schemeClr val="dk1"/>
+          </a:fillRef>
+          <a:effectRef idx="2">
+            <a:schemeClr val="dk1"/>
+          </a:effectRef>
+          <a:fontRef idx="minor">
+            <a:schemeClr val="tx1"/>
+          </a:fontRef>
+        </p:style>
+      </p:cxnSp>
+      <p:sp>
+        <p:nvSpPr>
+          <p:cNvPr id="43" name="椭圆 42">
+            <a:extLst>
+              <a:ext uri="{FF2B5EF4-FFF2-40B4-BE49-F238E27FC236}">
+                <a16:creationId xmlns:a16="http://schemas.microsoft.com/office/drawing/2014/main" id="{874C14AF-7CD4-4ECD-9987-6BB219676020}"/>
+              </a:ext>
+            </a:extLst>
+          </p:cNvPr>
+          <p:cNvSpPr/>
+          <p:nvPr/>
+        </p:nvSpPr>
+        <p:spPr>
+          <a:xfrm>
+            <a:off x="13005286" y="2830218"/>
+            <a:ext cx="1099594" cy="1099594"/>
+          </a:xfrm>
+          <a:prstGeom prst="ellipse">
+            <a:avLst/>
+          </a:prstGeom>
+          <a:ln w="38100"/>
+        </p:spPr>
+        <p:style>
+          <a:lnRef idx="2">
+            <a:schemeClr val="dk1"/>
+          </a:lnRef>
+          <a:fillRef idx="1">
+            <a:schemeClr val="lt1"/>
+          </a:fillRef>
+          <a:effectRef idx="0">
+            <a:schemeClr val="dk1"/>
+          </a:effectRef>
+          <a:fontRef idx="minor">
+            <a:schemeClr val="dk1"/>
+          </a:fontRef>
+        </p:style>
+        <p:txBody>
+          <a:bodyPr rtlCol="0" anchor="ctr"/>
+          <a:lstStyle/>
+          <a:p>
+            <a:pPr algn="ctr"/>
+            <a:r>
+              <a:rPr lang="zh-CN" altLang="en-US" b="1" dirty="0"/>
+              <a:t>靶</a:t>
+            </a:r>
+            <a:endParaRPr lang="en-US" b="1" dirty="0"/>
+          </a:p>
+        </p:txBody>
+      </p:sp>
+      <p:cxnSp>
+        <p:nvCxnSpPr>
+          <p:cNvPr id="44" name="直接箭头连接符 43">
+            <a:extLst>
+              <a:ext uri="{FF2B5EF4-FFF2-40B4-BE49-F238E27FC236}">
+                <a16:creationId xmlns:a16="http://schemas.microsoft.com/office/drawing/2014/main" id="{7EAB0380-4003-484D-8E98-F5435B6EB1CA}"/>
+              </a:ext>
+            </a:extLst>
+          </p:cNvPr>
+          <p:cNvCxnSpPr>
+            <a:cxnSpLocks/>
+            <a:stCxn id="38" idx="3"/>
+            <a:endCxn id="43" idx="2"/>
+          </p:cNvCxnSpPr>
+          <p:nvPr/>
+        </p:nvCxnSpPr>
+        <p:spPr>
+          <a:xfrm>
+            <a:off x="12386250" y="3380015"/>
+            <a:ext cx="619036" cy="0"/>
+          </a:xfrm>
+          <a:prstGeom prst="straightConnector1">
+            <a:avLst/>
+          </a:prstGeom>
+          <a:ln>
+            <a:tailEnd type="triangle"/>
+          </a:ln>
+        </p:spPr>
+        <p:style>
+          <a:lnRef idx="3">
+            <a:schemeClr val="dk1"/>
+          </a:lnRef>
+          <a:fillRef idx="0">
+            <a:schemeClr val="dk1"/>
+          </a:fillRef>
+          <a:effectRef idx="2">
+            <a:schemeClr val="dk1"/>
+          </a:effectRef>
+          <a:fontRef idx="minor">
+            <a:schemeClr val="tx1"/>
+          </a:fontRef>
+        </p:style>
+      </p:cxnSp>
+      <p:sp>
+        <p:nvSpPr>
+          <p:cNvPr id="47" name="矩形 46">
+            <a:extLst>
+              <a:ext uri="{FF2B5EF4-FFF2-40B4-BE49-F238E27FC236}">
+                <a16:creationId xmlns:a16="http://schemas.microsoft.com/office/drawing/2014/main" id="{78AD8959-C9EA-4DD0-8901-3EB2588F7993}"/>
+              </a:ext>
+            </a:extLst>
+          </p:cNvPr>
+          <p:cNvSpPr/>
+          <p:nvPr/>
+        </p:nvSpPr>
+        <p:spPr>
+          <a:xfrm>
+            <a:off x="4017431" y="3132754"/>
+            <a:ext cx="1395107" cy="494522"/>
+          </a:xfrm>
+          <a:prstGeom prst="rect">
+            <a:avLst/>
+          </a:prstGeom>
+          <a:noFill/>
+          <a:ln>
+            <a:noFill/>
+          </a:ln>
+        </p:spPr>
+        <p:style>
+          <a:lnRef idx="0">
+            <a:scrgbClr r="0" g="0" b="0"/>
+          </a:lnRef>
+          <a:fillRef idx="0">
+            <a:scrgbClr r="0" g="0" b="0"/>
+          </a:fillRef>
+          <a:effectRef idx="0">
+            <a:scrgbClr r="0" g="0" b="0"/>
+          </a:effectRef>
+          <a:fontRef idx="minor">
+            <a:schemeClr val="dk1"/>
+          </a:fontRef>
+        </p:style>
+        <p:txBody>
+          <a:bodyPr rot="0" spcFirstLastPara="0" vertOverflow="overflow" horzOverflow="overflow" vert="horz" wrap="square" lIns="91440" tIns="45720" rIns="91440" bIns="45720" numCol="1" spcCol="0" rtlCol="0" fromWordArt="0" anchor="ctr" anchorCtr="0" forceAA="0" compatLnSpc="1">
+            <a:prstTxWarp prst="textNoShape">
+              <a:avLst/>
+            </a:prstTxWarp>
+            <a:noAutofit/>
+          </a:bodyPr>
+          <a:lstStyle/>
+          <a:p>
+            <a:pPr algn="ctr"/>
+            <a:r>
+              <a:rPr lang="en-US" sz="1600" b="1" dirty="0"/>
+              <a:t>MEBT2 10MeV</a:t>
+            </a:r>
+          </a:p>
+        </p:txBody>
+      </p:sp>
+      <p:sp>
+        <p:nvSpPr>
+          <p:cNvPr id="48" name="矩形 47">
+            <a:extLst>
+              <a:ext uri="{FF2B5EF4-FFF2-40B4-BE49-F238E27FC236}">
+                <a16:creationId xmlns:a16="http://schemas.microsoft.com/office/drawing/2014/main" id="{6A4BCB1D-3921-440C-9946-88C9341CD734}"/>
+              </a:ext>
+            </a:extLst>
+          </p:cNvPr>
+          <p:cNvSpPr/>
+          <p:nvPr/>
+        </p:nvSpPr>
+        <p:spPr>
+          <a:xfrm>
+            <a:off x="6716659" y="3913279"/>
+            <a:ext cx="917577" cy="494522"/>
+          </a:xfrm>
+          <a:prstGeom prst="rect">
+            <a:avLst/>
+          </a:prstGeom>
+          <a:noFill/>
+          <a:ln>
+            <a:noFill/>
+          </a:ln>
+        </p:spPr>
+        <p:style>
+          <a:lnRef idx="0">
+            <a:scrgbClr r="0" g="0" b="0"/>
+          </a:lnRef>
+          <a:fillRef idx="0">
+            <a:scrgbClr r="0" g="0" b="0"/>
+          </a:fillRef>
+          <a:effectRef idx="0">
+            <a:scrgbClr r="0" g="0" b="0"/>
+          </a:effectRef>
+          <a:fontRef idx="minor">
+            <a:schemeClr val="dk1"/>
+          </a:fontRef>
+        </p:style>
+        <p:txBody>
+          <a:bodyPr rot="0" spcFirstLastPara="0" vertOverflow="overflow" horzOverflow="overflow" vert="horz" wrap="square" lIns="91440" tIns="45720" rIns="91440" bIns="45720" numCol="1" spcCol="0" rtlCol="0" fromWordArt="0" anchor="ctr" anchorCtr="0" forceAA="0" compatLnSpc="1">
+            <a:prstTxWarp prst="textNoShape">
+              <a:avLst/>
+            </a:prstTxWarp>
+            <a:noAutofit/>
+          </a:bodyPr>
+          <a:lstStyle/>
+          <a:p>
+            <a:pPr algn="ctr"/>
+            <a:r>
+              <a:rPr lang="en-US" sz="1600" b="1" dirty="0"/>
+              <a:t>40MeV</a:t>
+            </a:r>
+          </a:p>
+        </p:txBody>
+      </p:sp>
+      <p:sp>
+        <p:nvSpPr>
+          <p:cNvPr id="49" name="矩形 48">
+            <a:extLst>
+              <a:ext uri="{FF2B5EF4-FFF2-40B4-BE49-F238E27FC236}">
+                <a16:creationId xmlns:a16="http://schemas.microsoft.com/office/drawing/2014/main" id="{FFEA7586-305B-46D8-9767-8E36778F68CF}"/>
+              </a:ext>
+            </a:extLst>
+          </p:cNvPr>
+          <p:cNvSpPr/>
+          <p:nvPr/>
+        </p:nvSpPr>
+        <p:spPr>
+          <a:xfrm>
+            <a:off x="8419024" y="3913279"/>
+            <a:ext cx="917577" cy="494522"/>
+          </a:xfrm>
+          <a:prstGeom prst="rect">
+            <a:avLst/>
+          </a:prstGeom>
+          <a:noFill/>
+          <a:ln>
+            <a:noFill/>
+          </a:ln>
+        </p:spPr>
+        <p:style>
+          <a:lnRef idx="0">
+            <a:scrgbClr r="0" g="0" b="0"/>
+          </a:lnRef>
+          <a:fillRef idx="0">
+            <a:scrgbClr r="0" g="0" b="0"/>
+          </a:fillRef>
+          <a:effectRef idx="0">
+            <a:scrgbClr r="0" g="0" b="0"/>
+          </a:effectRef>
+          <a:fontRef idx="minor">
+            <a:schemeClr val="dk1"/>
+          </a:fontRef>
+        </p:style>
+        <p:txBody>
+          <a:bodyPr rot="0" spcFirstLastPara="0" vertOverflow="overflow" horzOverflow="overflow" vert="horz" wrap="square" lIns="91440" tIns="45720" rIns="91440" bIns="45720" numCol="1" spcCol="0" rtlCol="0" fromWordArt="0" anchor="ctr" anchorCtr="0" forceAA="0" compatLnSpc="1">
+            <a:prstTxWarp prst="textNoShape">
+              <a:avLst/>
+            </a:prstTxWarp>
+            <a:noAutofit/>
+          </a:bodyPr>
+          <a:lstStyle/>
+          <a:p>
+            <a:pPr algn="ctr"/>
+            <a:r>
+              <a:rPr lang="en-US" sz="1600" b="1" dirty="0"/>
+              <a:t>180MeV</a:t>
+            </a:r>
+          </a:p>
+        </p:txBody>
+      </p:sp>
+      <p:sp>
+        <p:nvSpPr>
+          <p:cNvPr id="50" name="矩形 49">
+            <a:extLst>
+              <a:ext uri="{FF2B5EF4-FFF2-40B4-BE49-F238E27FC236}">
+                <a16:creationId xmlns:a16="http://schemas.microsoft.com/office/drawing/2014/main" id="{FACE8A02-E4BB-43B3-BCCF-D063CEA3F6A1}"/>
+              </a:ext>
+            </a:extLst>
+          </p:cNvPr>
+          <p:cNvSpPr/>
+          <p:nvPr/>
+        </p:nvSpPr>
+        <p:spPr>
+          <a:xfrm>
+            <a:off x="10373035" y="3913279"/>
+            <a:ext cx="917577" cy="494522"/>
+          </a:xfrm>
+          <a:prstGeom prst="rect">
+            <a:avLst/>
+          </a:prstGeom>
+          <a:noFill/>
+          <a:ln>
+            <a:noFill/>
+          </a:ln>
+        </p:spPr>
+        <p:style>
+          <a:lnRef idx="0">
+            <a:scrgbClr r="0" g="0" b="0"/>
+          </a:lnRef>
+          <a:fillRef idx="0">
+            <a:scrgbClr r="0" g="0" b="0"/>
+          </a:fillRef>
+          <a:effectRef idx="0">
+            <a:scrgbClr r="0" g="0" b="0"/>
+          </a:effectRef>
+          <a:fontRef idx="minor">
+            <a:schemeClr val="dk1"/>
+          </a:fontRef>
+        </p:style>
+        <p:txBody>
+          <a:bodyPr rot="0" spcFirstLastPara="0" vertOverflow="overflow" horzOverflow="overflow" vert="horz" wrap="square" lIns="91440" tIns="45720" rIns="91440" bIns="45720" numCol="1" spcCol="0" rtlCol="0" fromWordArt="0" anchor="ctr" anchorCtr="0" forceAA="0" compatLnSpc="1">
+            <a:prstTxWarp prst="textNoShape">
+              <a:avLst/>
+            </a:prstTxWarp>
+            <a:noAutofit/>
+          </a:bodyPr>
+          <a:lstStyle/>
+          <a:p>
+            <a:pPr algn="ctr"/>
+            <a:r>
+              <a:rPr lang="en-US" sz="1600" b="1" dirty="0"/>
+              <a:t>360MeV</a:t>
+            </a:r>
+          </a:p>
+        </p:txBody>
+      </p:sp>
+      <p:sp>
+        <p:nvSpPr>
+          <p:cNvPr id="51" name="矩形 50">
+            <a:extLst>
+              <a:ext uri="{FF2B5EF4-FFF2-40B4-BE49-F238E27FC236}">
+                <a16:creationId xmlns:a16="http://schemas.microsoft.com/office/drawing/2014/main" id="{6BFBC2E8-0D9B-4F26-8D80-2E52E9EB87D1}"/>
+              </a:ext>
+            </a:extLst>
+          </p:cNvPr>
+          <p:cNvSpPr/>
+          <p:nvPr/>
+        </p:nvSpPr>
+        <p:spPr>
+          <a:xfrm>
+            <a:off x="12203013" y="3911151"/>
+            <a:ext cx="1073616" cy="494522"/>
+          </a:xfrm>
+          <a:prstGeom prst="rect">
+            <a:avLst/>
+          </a:prstGeom>
+          <a:noFill/>
+          <a:ln>
+            <a:noFill/>
+          </a:ln>
+        </p:spPr>
+        <p:style>
+          <a:lnRef idx="0">
+            <a:scrgbClr r="0" g="0" b="0"/>
+          </a:lnRef>
+          <a:fillRef idx="0">
+            <a:scrgbClr r="0" g="0" b="0"/>
+          </a:fillRef>
+          <a:effectRef idx="0">
+            <a:scrgbClr r="0" g="0" b="0"/>
+          </a:effectRef>
+          <a:fontRef idx="minor">
+            <a:schemeClr val="dk1"/>
+          </a:fontRef>
+        </p:style>
+        <p:txBody>
+          <a:bodyPr rot="0" spcFirstLastPara="0" vertOverflow="overflow" horzOverflow="overflow" vert="horz" wrap="square" lIns="91440" tIns="45720" rIns="91440" bIns="45720" numCol="1" spcCol="0" rtlCol="0" fromWordArt="0" anchor="ctr" anchorCtr="0" forceAA="0" compatLnSpc="1">
+            <a:prstTxWarp prst="textNoShape">
+              <a:avLst/>
+            </a:prstTxWarp>
+            <a:noAutofit/>
+          </a:bodyPr>
+          <a:lstStyle/>
+          <a:p>
+            <a:pPr algn="ctr"/>
+            <a:r>
+              <a:rPr lang="en-US" sz="1600" b="1" dirty="0"/>
+              <a:t>1.5GeV</a:t>
+            </a:r>
+          </a:p>
+        </p:txBody>
+      </p:sp>
+      <p:sp>
+        <p:nvSpPr>
+          <p:cNvPr id="52" name="矩形 51">
+            <a:extLst>
+              <a:ext uri="{FF2B5EF4-FFF2-40B4-BE49-F238E27FC236}">
+                <a16:creationId xmlns:a16="http://schemas.microsoft.com/office/drawing/2014/main" id="{137EB43F-F702-4E1B-A0DD-ED8BDBC17EF5}"/>
+              </a:ext>
+            </a:extLst>
+          </p:cNvPr>
+          <p:cNvSpPr/>
+          <p:nvPr/>
+        </p:nvSpPr>
+        <p:spPr>
+          <a:xfrm>
+            <a:off x="8649943" y="4832790"/>
+            <a:ext cx="1830305" cy="494522"/>
+          </a:xfrm>
+          <a:prstGeom prst="rect">
+            <a:avLst/>
+          </a:prstGeom>
+          <a:noFill/>
+          <a:ln>
+            <a:noFill/>
+          </a:ln>
+        </p:spPr>
+        <p:style>
+          <a:lnRef idx="0">
+            <a:scrgbClr r="0" g="0" b="0"/>
+          </a:lnRef>
+          <a:fillRef idx="0">
+            <a:scrgbClr r="0" g="0" b="0"/>
+          </a:fillRef>
+          <a:effectRef idx="0">
+            <a:scrgbClr r="0" g="0" b="0"/>
+          </a:effectRef>
+          <a:fontRef idx="minor">
+            <a:schemeClr val="dk1"/>
+          </a:fontRef>
+        </p:style>
+        <p:txBody>
+          <a:bodyPr rot="0" spcFirstLastPara="0" vertOverflow="overflow" horzOverflow="overflow" vert="horz" wrap="square" lIns="91440" tIns="45720" rIns="91440" bIns="45720" numCol="1" spcCol="0" rtlCol="0" fromWordArt="0" anchor="ctr" anchorCtr="0" forceAA="0" compatLnSpc="1">
+            <a:prstTxWarp prst="textNoShape">
+              <a:avLst/>
+            </a:prstTxWarp>
+            <a:noAutofit/>
+          </a:bodyPr>
+          <a:lstStyle/>
+          <a:p>
+            <a:pPr algn="ctr"/>
+            <a:r>
+              <a:rPr lang="zh-CN" altLang="en-US" sz="2400" b="1" dirty="0"/>
+              <a:t>主加速段</a:t>
+            </a:r>
+            <a:endParaRPr lang="en-US" sz="2400" b="1" dirty="0"/>
+          </a:p>
+        </p:txBody>
+      </p:sp>
+      <p:sp>
+        <p:nvSpPr>
+          <p:cNvPr id="53" name="矩形 52">
+            <a:extLst>
+              <a:ext uri="{FF2B5EF4-FFF2-40B4-BE49-F238E27FC236}">
+                <a16:creationId xmlns:a16="http://schemas.microsoft.com/office/drawing/2014/main" id="{F967686B-CB46-429C-8DBD-BF7EFF398EA8}"/>
+              </a:ext>
+            </a:extLst>
+          </p:cNvPr>
+          <p:cNvSpPr/>
+          <p:nvPr/>
+        </p:nvSpPr>
+        <p:spPr>
+          <a:xfrm>
+            <a:off x="12036719" y="3030747"/>
+            <a:ext cx="1395107" cy="494522"/>
+          </a:xfrm>
+          <a:prstGeom prst="rect">
+            <a:avLst/>
+          </a:prstGeom>
+          <a:noFill/>
+          <a:ln>
+            <a:noFill/>
+          </a:ln>
+        </p:spPr>
+        <p:style>
+          <a:lnRef idx="0">
+            <a:scrgbClr r="0" g="0" b="0"/>
+          </a:lnRef>
+          <a:fillRef idx="0">
+            <a:scrgbClr r="0" g="0" b="0"/>
+          </a:fillRef>
+          <a:effectRef idx="0">
+            <a:scrgbClr r="0" g="0" b="0"/>
+          </a:effectRef>
+          <a:fontRef idx="minor">
+            <a:schemeClr val="dk1"/>
+          </a:fontRef>
+        </p:style>
+        <p:txBody>
+          <a:bodyPr rot="0" spcFirstLastPara="0" vertOverflow="overflow" horzOverflow="overflow" vert="horz" wrap="square" lIns="91440" tIns="45720" rIns="91440" bIns="45720" numCol="1" spcCol="0" rtlCol="0" fromWordArt="0" anchor="ctr" anchorCtr="0" forceAA="0" compatLnSpc="1">
+            <a:prstTxWarp prst="textNoShape">
+              <a:avLst/>
+            </a:prstTxWarp>
+            <a:noAutofit/>
+          </a:bodyPr>
+          <a:lstStyle/>
+          <a:p>
+            <a:pPr algn="ctr"/>
+            <a:r>
+              <a:rPr lang="en-US" sz="1600" b="1" dirty="0"/>
+              <a:t>HEBT</a:t>
+            </a:r>
+          </a:p>
+        </p:txBody>
+      </p:sp>
+      <p:sp>
+        <p:nvSpPr>
+          <p:cNvPr id="54" name="矩形 53">
+            <a:extLst>
+              <a:ext uri="{FF2B5EF4-FFF2-40B4-BE49-F238E27FC236}">
+                <a16:creationId xmlns:a16="http://schemas.microsoft.com/office/drawing/2014/main" id="{80A18107-E8D3-489A-B124-A8447500DB0B}"/>
+              </a:ext>
+            </a:extLst>
+          </p:cNvPr>
+          <p:cNvSpPr/>
+          <p:nvPr/>
+        </p:nvSpPr>
+        <p:spPr>
+          <a:xfrm>
+            <a:off x="1224938" y="2270381"/>
+            <a:ext cx="917577" cy="494522"/>
+          </a:xfrm>
+          <a:prstGeom prst="rect">
+            <a:avLst/>
+          </a:prstGeom>
+          <a:noFill/>
+          <a:ln>
+            <a:noFill/>
+          </a:ln>
+        </p:spPr>
+        <p:style>
+          <a:lnRef idx="0">
+            <a:scrgbClr r="0" g="0" b="0"/>
+          </a:lnRef>
+          <a:fillRef idx="0">
+            <a:scrgbClr r="0" g="0" b="0"/>
+          </a:fillRef>
+          <a:effectRef idx="0">
+            <a:scrgbClr r="0" g="0" b="0"/>
+          </a:effectRef>
+          <a:fontRef idx="minor">
+            <a:schemeClr val="dk1"/>
+          </a:fontRef>
+        </p:style>
+        <p:txBody>
+          <a:bodyPr rot="0" spcFirstLastPara="0" vertOverflow="overflow" horzOverflow="overflow" vert="horz" wrap="square" lIns="91440" tIns="45720" rIns="91440" bIns="45720" numCol="1" spcCol="0" rtlCol="0" fromWordArt="0" anchor="ctr" anchorCtr="0" forceAA="0" compatLnSpc="1">
+            <a:prstTxWarp prst="textNoShape">
+              <a:avLst/>
+            </a:prstTxWarp>
+            <a:noAutofit/>
+          </a:bodyPr>
+          <a:lstStyle/>
+          <a:p>
+            <a:pPr algn="ctr"/>
+            <a:r>
+              <a:rPr lang="en-US" sz="1600" b="1" dirty="0"/>
+              <a:t>35keV</a:t>
+            </a:r>
+          </a:p>
+        </p:txBody>
+      </p:sp>
+      <p:sp>
+        <p:nvSpPr>
+          <p:cNvPr id="55" name="矩形 54">
+            <a:extLst>
+              <a:ext uri="{FF2B5EF4-FFF2-40B4-BE49-F238E27FC236}">
+                <a16:creationId xmlns:a16="http://schemas.microsoft.com/office/drawing/2014/main" id="{D92C5064-E378-4C9C-9E43-D528389B6D66}"/>
+              </a:ext>
+            </a:extLst>
+          </p:cNvPr>
+          <p:cNvSpPr/>
+          <p:nvPr/>
+        </p:nvSpPr>
+        <p:spPr>
+          <a:xfrm>
+            <a:off x="1175141" y="3970248"/>
+            <a:ext cx="917577" cy="494522"/>
+          </a:xfrm>
+          <a:prstGeom prst="rect">
+            <a:avLst/>
+          </a:prstGeom>
+          <a:noFill/>
+          <a:ln>
+            <a:noFill/>
+          </a:ln>
+        </p:spPr>
+        <p:style>
+          <a:lnRef idx="0">
+            <a:scrgbClr r="0" g="0" b="0"/>
+          </a:lnRef>
+          <a:fillRef idx="0">
+            <a:scrgbClr r="0" g="0" b="0"/>
+          </a:fillRef>
+          <a:effectRef idx="0">
+            <a:scrgbClr r="0" g="0" b="0"/>
+          </a:effectRef>
+          <a:fontRef idx="minor">
+            <a:schemeClr val="dk1"/>
+          </a:fontRef>
+        </p:style>
+        <p:txBody>
+          <a:bodyPr rot="0" spcFirstLastPara="0" vertOverflow="overflow" horzOverflow="overflow" vert="horz" wrap="square" lIns="91440" tIns="45720" rIns="91440" bIns="45720" numCol="1" spcCol="0" rtlCol="0" fromWordArt="0" anchor="ctr" anchorCtr="0" forceAA="0" compatLnSpc="1">
+            <a:prstTxWarp prst="textNoShape">
+              <a:avLst/>
+            </a:prstTxWarp>
+            <a:noAutofit/>
+          </a:bodyPr>
+          <a:lstStyle/>
+          <a:p>
+            <a:pPr algn="ctr"/>
+            <a:r>
+              <a:rPr lang="en-US" sz="1600" b="1" dirty="0"/>
+              <a:t>35keV</a:t>
+            </a:r>
+          </a:p>
+        </p:txBody>
+      </p:sp>
+      <p:sp>
+        <p:nvSpPr>
+          <p:cNvPr id="56" name="矩形 55">
+            <a:extLst>
+              <a:ext uri="{FF2B5EF4-FFF2-40B4-BE49-F238E27FC236}">
+                <a16:creationId xmlns:a16="http://schemas.microsoft.com/office/drawing/2014/main" id="{6116A9A8-220F-4DAF-8F10-E5EC20295B07}"/>
+              </a:ext>
+            </a:extLst>
+          </p:cNvPr>
+          <p:cNvSpPr/>
+          <p:nvPr/>
+        </p:nvSpPr>
+        <p:spPr>
+          <a:xfrm>
+            <a:off x="3151373" y="2264612"/>
+            <a:ext cx="917577" cy="494522"/>
+          </a:xfrm>
+          <a:prstGeom prst="rect">
+            <a:avLst/>
+          </a:prstGeom>
+          <a:noFill/>
+          <a:ln>
+            <a:noFill/>
+          </a:ln>
+        </p:spPr>
+        <p:style>
+          <a:lnRef idx="0">
+            <a:scrgbClr r="0" g="0" b="0"/>
+          </a:lnRef>
+          <a:fillRef idx="0">
+            <a:scrgbClr r="0" g="0" b="0"/>
+          </a:fillRef>
+          <a:effectRef idx="0">
+            <a:scrgbClr r="0" g="0" b="0"/>
+          </a:effectRef>
+          <a:fontRef idx="minor">
+            <a:schemeClr val="dk1"/>
+          </a:fontRef>
+        </p:style>
+        <p:txBody>
+          <a:bodyPr rot="0" spcFirstLastPara="0" vertOverflow="overflow" horzOverflow="overflow" vert="horz" wrap="square" lIns="91440" tIns="45720" rIns="91440" bIns="45720" numCol="1" spcCol="0" rtlCol="0" fromWordArt="0" anchor="ctr" anchorCtr="0" forceAA="0" compatLnSpc="1">
+            <a:prstTxWarp prst="textNoShape">
+              <a:avLst/>
+            </a:prstTxWarp>
+            <a:noAutofit/>
+          </a:bodyPr>
+          <a:lstStyle/>
+          <a:p>
+            <a:pPr algn="ctr"/>
+            <a:r>
+              <a:rPr lang="en-US" sz="1600" b="1" dirty="0"/>
+              <a:t>3.2MeV</a:t>
+            </a:r>
+          </a:p>
+        </p:txBody>
+      </p:sp>
+      <p:sp>
+        <p:nvSpPr>
+          <p:cNvPr id="57" name="矩形 56">
+            <a:extLst>
+              <a:ext uri="{FF2B5EF4-FFF2-40B4-BE49-F238E27FC236}">
+                <a16:creationId xmlns:a16="http://schemas.microsoft.com/office/drawing/2014/main" id="{29158907-DA22-406A-A251-36297D17578F}"/>
+              </a:ext>
+            </a:extLst>
+          </p:cNvPr>
+          <p:cNvSpPr/>
+          <p:nvPr/>
+        </p:nvSpPr>
+        <p:spPr>
+          <a:xfrm>
+            <a:off x="3151373" y="3967790"/>
+            <a:ext cx="917577" cy="494522"/>
+          </a:xfrm>
+          <a:prstGeom prst="rect">
+            <a:avLst/>
+          </a:prstGeom>
+          <a:noFill/>
+          <a:ln>
+            <a:noFill/>
+          </a:ln>
+        </p:spPr>
+        <p:style>
+          <a:lnRef idx="0">
+            <a:scrgbClr r="0" g="0" b="0"/>
+          </a:lnRef>
+          <a:fillRef idx="0">
+            <a:scrgbClr r="0" g="0" b="0"/>
+          </a:fillRef>
+          <a:effectRef idx="0">
+            <a:scrgbClr r="0" g="0" b="0"/>
+          </a:effectRef>
+          <a:fontRef idx="minor">
+            <a:schemeClr val="dk1"/>
+          </a:fontRef>
+        </p:style>
+        <p:txBody>
+          <a:bodyPr rot="0" spcFirstLastPara="0" vertOverflow="overflow" horzOverflow="overflow" vert="horz" wrap="square" lIns="91440" tIns="45720" rIns="91440" bIns="45720" numCol="1" spcCol="0" rtlCol="0" fromWordArt="0" anchor="ctr" anchorCtr="0" forceAA="0" compatLnSpc="1">
+            <a:prstTxWarp prst="textNoShape">
+              <a:avLst/>
+            </a:prstTxWarp>
+            <a:noAutofit/>
+          </a:bodyPr>
+          <a:lstStyle/>
+          <a:p>
+            <a:pPr algn="ctr"/>
+            <a:r>
+              <a:rPr lang="en-US" sz="1600" b="1" dirty="0"/>
+              <a:t>2.1MeV</a:t>
+            </a:r>
+          </a:p>
+        </p:txBody>
+      </p:sp>
+    </p:spTree>
+    <p:extLst>
+      <p:ext uri="{BB962C8B-B14F-4D97-AF65-F5344CB8AC3E}">
+        <p14:creationId xmlns:p14="http://schemas.microsoft.com/office/powerpoint/2010/main" val="1749135871"/>
+      </p:ext>
+    </p:extLst>
+  </p:cSld>
+  <p:clrMapOvr>
+    <a:masterClrMapping/>
+  </p:clrMapOvr>
+</p:sld>
+</file>
+
 <file path=ppt/theme/theme1.xml><?xml version="1.0" encoding="utf-8"?>
 <a:theme xmlns:a="http://schemas.openxmlformats.org/drawingml/2006/main" name="Office 主题​​">
   <a:themeElements>
